--- a/Documentacion/Presentación.pptx
+++ b/Documentacion/Presentación.pptx
@@ -4,6 +4,9 @@
   <p:sldMasterIdLst>
     <p:sldMasterId id="2147483648" r:id="rId1"/>
   </p:sldMasterIdLst>
+  <p:notesMasterIdLst>
+    <p:notesMasterId r:id="rId8"/>
+  </p:notesMasterIdLst>
   <p:sldIdLst>
     <p:sldId id="256" r:id="rId2"/>
     <p:sldId id="257" r:id="rId3"/>
@@ -109,7 +112,445 @@
       </a:defRPr>
     </a:lvl9pPr>
   </p:defaultTextStyle>
+  <p:extLst>
+    <p:ext uri="{EFAFB233-063F-42B5-8137-9DF3F51BA10A}">
+      <p15:sldGuideLst xmlns:p15="http://schemas.microsoft.com/office/powerpoint/2012/main"/>
+    </p:ext>
+  </p:extLst>
 </p:presentation>
+</file>
+
+<file path=ppt/notesMasters/notesMaster1.xml><?xml version="1.0" encoding="utf-8"?>
+<p:notesMaster xmlns:a="http://schemas.openxmlformats.org/drawingml/2006/main" xmlns:r="http://schemas.openxmlformats.org/officeDocument/2006/relationships" xmlns:p="http://schemas.openxmlformats.org/presentationml/2006/main">
+  <p:cSld>
+    <p:bg>
+      <p:bgRef idx="1001">
+        <a:schemeClr val="bg1"/>
+      </p:bgRef>
+    </p:bg>
+    <p:spTree>
+      <p:nvGrpSpPr>
+        <p:cNvPr id="1" name=""/>
+        <p:cNvGrpSpPr/>
+        <p:nvPr/>
+      </p:nvGrpSpPr>
+      <p:grpSpPr>
+        <a:xfrm>
+          <a:off x="0" y="0"/>
+          <a:ext cx="0" cy="0"/>
+          <a:chOff x="0" y="0"/>
+          <a:chExt cx="0" cy="0"/>
+        </a:xfrm>
+      </p:grpSpPr>
+      <p:sp>
+        <p:nvSpPr>
+          <p:cNvPr id="2" name="Marcador de encabezado 1"/>
+          <p:cNvSpPr>
+            <a:spLocks noGrp="1"/>
+          </p:cNvSpPr>
+          <p:nvPr>
+            <p:ph type="hdr" sz="quarter"/>
+          </p:nvPr>
+        </p:nvSpPr>
+        <p:spPr>
+          <a:xfrm>
+            <a:off x="0" y="0"/>
+            <a:ext cx="2971800" cy="458788"/>
+          </a:xfrm>
+          <a:prstGeom prst="rect">
+            <a:avLst/>
+          </a:prstGeom>
+        </p:spPr>
+        <p:txBody>
+          <a:bodyPr vert="horz" lIns="91440" tIns="45720" rIns="91440" bIns="45720" rtlCol="0"/>
+          <a:lstStyle>
+            <a:lvl1pPr algn="l">
+              <a:defRPr sz="1200"/>
+            </a:lvl1pPr>
+          </a:lstStyle>
+          <a:p>
+            <a:endParaRPr lang="es-ES"/>
+          </a:p>
+        </p:txBody>
+      </p:sp>
+      <p:sp>
+        <p:nvSpPr>
+          <p:cNvPr id="3" name="Marcador de fecha 2"/>
+          <p:cNvSpPr>
+            <a:spLocks noGrp="1"/>
+          </p:cNvSpPr>
+          <p:nvPr>
+            <p:ph type="dt" idx="1"/>
+          </p:nvPr>
+        </p:nvSpPr>
+        <p:spPr>
+          <a:xfrm>
+            <a:off x="3884613" y="0"/>
+            <a:ext cx="2971800" cy="458788"/>
+          </a:xfrm>
+          <a:prstGeom prst="rect">
+            <a:avLst/>
+          </a:prstGeom>
+        </p:spPr>
+        <p:txBody>
+          <a:bodyPr vert="horz" lIns="91440" tIns="45720" rIns="91440" bIns="45720" rtlCol="0"/>
+          <a:lstStyle>
+            <a:lvl1pPr algn="r">
+              <a:defRPr sz="1200"/>
+            </a:lvl1pPr>
+          </a:lstStyle>
+          <a:p>
+            <a:fld id="{7102AEC6-F01C-4882-8BFC-6A5B4994F8DA}" type="datetimeFigureOut">
+              <a:rPr lang="es-ES" smtClean="0"/>
+              <a:t>24/02/2026</a:t>
+            </a:fld>
+            <a:endParaRPr lang="es-ES"/>
+          </a:p>
+        </p:txBody>
+      </p:sp>
+      <p:sp>
+        <p:nvSpPr>
+          <p:cNvPr id="4" name="Marcador de imagen de diapositiva 3"/>
+          <p:cNvSpPr>
+            <a:spLocks noGrp="1" noRot="1" noChangeAspect="1"/>
+          </p:cNvSpPr>
+          <p:nvPr>
+            <p:ph type="sldImg" idx="2"/>
+          </p:nvPr>
+        </p:nvSpPr>
+        <p:spPr>
+          <a:xfrm>
+            <a:off x="685800" y="1143000"/>
+            <a:ext cx="5486400" cy="3086100"/>
+          </a:xfrm>
+          <a:prstGeom prst="rect">
+            <a:avLst/>
+          </a:prstGeom>
+          <a:noFill/>
+          <a:ln w="12700">
+            <a:solidFill>
+              <a:prstClr val="black"/>
+            </a:solidFill>
+          </a:ln>
+        </p:spPr>
+        <p:txBody>
+          <a:bodyPr vert="horz" lIns="91440" tIns="45720" rIns="91440" bIns="45720" rtlCol="0" anchor="ctr"/>
+          <a:lstStyle/>
+          <a:p>
+            <a:endParaRPr lang="es-ES"/>
+          </a:p>
+        </p:txBody>
+      </p:sp>
+      <p:sp>
+        <p:nvSpPr>
+          <p:cNvPr id="5" name="Marcador de notas 4"/>
+          <p:cNvSpPr>
+            <a:spLocks noGrp="1"/>
+          </p:cNvSpPr>
+          <p:nvPr>
+            <p:ph type="body" sz="quarter" idx="3"/>
+          </p:nvPr>
+        </p:nvSpPr>
+        <p:spPr>
+          <a:xfrm>
+            <a:off x="685800" y="4400550"/>
+            <a:ext cx="5486400" cy="3600450"/>
+          </a:xfrm>
+          <a:prstGeom prst="rect">
+            <a:avLst/>
+          </a:prstGeom>
+        </p:spPr>
+        <p:txBody>
+          <a:bodyPr vert="horz" lIns="91440" tIns="45720" rIns="91440" bIns="45720" rtlCol="0"/>
+          <a:lstStyle/>
+          <a:p>
+            <a:pPr lvl="0"/>
+            <a:r>
+              <a:rPr lang="es-ES"/>
+              <a:t>Haga clic para modificar los estilos de texto del patrón</a:t>
+            </a:r>
+          </a:p>
+          <a:p>
+            <a:pPr lvl="1"/>
+            <a:r>
+              <a:rPr lang="es-ES"/>
+              <a:t>Segundo nivel</a:t>
+            </a:r>
+          </a:p>
+          <a:p>
+            <a:pPr lvl="2"/>
+            <a:r>
+              <a:rPr lang="es-ES"/>
+              <a:t>Tercer nivel</a:t>
+            </a:r>
+          </a:p>
+          <a:p>
+            <a:pPr lvl="3"/>
+            <a:r>
+              <a:rPr lang="es-ES"/>
+              <a:t>Cuarto nivel</a:t>
+            </a:r>
+          </a:p>
+          <a:p>
+            <a:pPr lvl="4"/>
+            <a:r>
+              <a:rPr lang="es-ES"/>
+              <a:t>Quinto nivel</a:t>
+            </a:r>
+          </a:p>
+        </p:txBody>
+      </p:sp>
+      <p:sp>
+        <p:nvSpPr>
+          <p:cNvPr id="6" name="Marcador de pie de página 5"/>
+          <p:cNvSpPr>
+            <a:spLocks noGrp="1"/>
+          </p:cNvSpPr>
+          <p:nvPr>
+            <p:ph type="ftr" sz="quarter" idx="4"/>
+          </p:nvPr>
+        </p:nvSpPr>
+        <p:spPr>
+          <a:xfrm>
+            <a:off x="0" y="8685213"/>
+            <a:ext cx="2971800" cy="458787"/>
+          </a:xfrm>
+          <a:prstGeom prst="rect">
+            <a:avLst/>
+          </a:prstGeom>
+        </p:spPr>
+        <p:txBody>
+          <a:bodyPr vert="horz" lIns="91440" tIns="45720" rIns="91440" bIns="45720" rtlCol="0" anchor="b"/>
+          <a:lstStyle>
+            <a:lvl1pPr algn="l">
+              <a:defRPr sz="1200"/>
+            </a:lvl1pPr>
+          </a:lstStyle>
+          <a:p>
+            <a:endParaRPr lang="es-ES"/>
+          </a:p>
+        </p:txBody>
+      </p:sp>
+      <p:sp>
+        <p:nvSpPr>
+          <p:cNvPr id="7" name="Marcador de número de diapositiva 6"/>
+          <p:cNvSpPr>
+            <a:spLocks noGrp="1"/>
+          </p:cNvSpPr>
+          <p:nvPr>
+            <p:ph type="sldNum" sz="quarter" idx="5"/>
+          </p:nvPr>
+        </p:nvSpPr>
+        <p:spPr>
+          <a:xfrm>
+            <a:off x="3884613" y="8685213"/>
+            <a:ext cx="2971800" cy="458787"/>
+          </a:xfrm>
+          <a:prstGeom prst="rect">
+            <a:avLst/>
+          </a:prstGeom>
+        </p:spPr>
+        <p:txBody>
+          <a:bodyPr vert="horz" lIns="91440" tIns="45720" rIns="91440" bIns="45720" rtlCol="0" anchor="b"/>
+          <a:lstStyle>
+            <a:lvl1pPr algn="r">
+              <a:defRPr sz="1200"/>
+            </a:lvl1pPr>
+          </a:lstStyle>
+          <a:p>
+            <a:fld id="{3A503EF4-DB49-4BFA-BD32-21C93604296E}" type="slidenum">
+              <a:rPr lang="es-ES" smtClean="0"/>
+              <a:t>‹Nº›</a:t>
+            </a:fld>
+            <a:endParaRPr lang="es-ES"/>
+          </a:p>
+        </p:txBody>
+      </p:sp>
+    </p:spTree>
+    <p:extLst>
+      <p:ext uri="{BB962C8B-B14F-4D97-AF65-F5344CB8AC3E}">
+        <p14:creationId xmlns:p14="http://schemas.microsoft.com/office/powerpoint/2010/main" val="3936552305"/>
+      </p:ext>
+    </p:extLst>
+  </p:cSld>
+  <p:clrMap bg1="lt1" tx1="dk1" bg2="lt2" tx2="dk2" accent1="accent1" accent2="accent2" accent3="accent3" accent4="accent4" accent5="accent5" accent6="accent6" hlink="hlink" folHlink="folHlink"/>
+  <p:notesStyle>
+    <a:lvl1pPr marL="0" algn="l" defTabSz="914400" rtl="0" eaLnBrk="1" latinLnBrk="0" hangingPunct="1">
+      <a:defRPr sz="1200" kern="1200">
+        <a:solidFill>
+          <a:schemeClr val="tx1"/>
+        </a:solidFill>
+        <a:latin typeface="+mn-lt"/>
+        <a:ea typeface="+mn-ea"/>
+        <a:cs typeface="+mn-cs"/>
+      </a:defRPr>
+    </a:lvl1pPr>
+    <a:lvl2pPr marL="457200" algn="l" defTabSz="914400" rtl="0" eaLnBrk="1" latinLnBrk="0" hangingPunct="1">
+      <a:defRPr sz="1200" kern="1200">
+        <a:solidFill>
+          <a:schemeClr val="tx1"/>
+        </a:solidFill>
+        <a:latin typeface="+mn-lt"/>
+        <a:ea typeface="+mn-ea"/>
+        <a:cs typeface="+mn-cs"/>
+      </a:defRPr>
+    </a:lvl2pPr>
+    <a:lvl3pPr marL="914400" algn="l" defTabSz="914400" rtl="0" eaLnBrk="1" latinLnBrk="0" hangingPunct="1">
+      <a:defRPr sz="1200" kern="1200">
+        <a:solidFill>
+          <a:schemeClr val="tx1"/>
+        </a:solidFill>
+        <a:latin typeface="+mn-lt"/>
+        <a:ea typeface="+mn-ea"/>
+        <a:cs typeface="+mn-cs"/>
+      </a:defRPr>
+    </a:lvl3pPr>
+    <a:lvl4pPr marL="1371600" algn="l" defTabSz="914400" rtl="0" eaLnBrk="1" latinLnBrk="0" hangingPunct="1">
+      <a:defRPr sz="1200" kern="1200">
+        <a:solidFill>
+          <a:schemeClr val="tx1"/>
+        </a:solidFill>
+        <a:latin typeface="+mn-lt"/>
+        <a:ea typeface="+mn-ea"/>
+        <a:cs typeface="+mn-cs"/>
+      </a:defRPr>
+    </a:lvl4pPr>
+    <a:lvl5pPr marL="1828800" algn="l" defTabSz="914400" rtl="0" eaLnBrk="1" latinLnBrk="0" hangingPunct="1">
+      <a:defRPr sz="1200" kern="1200">
+        <a:solidFill>
+          <a:schemeClr val="tx1"/>
+        </a:solidFill>
+        <a:latin typeface="+mn-lt"/>
+        <a:ea typeface="+mn-ea"/>
+        <a:cs typeface="+mn-cs"/>
+      </a:defRPr>
+    </a:lvl5pPr>
+    <a:lvl6pPr marL="2286000" algn="l" defTabSz="914400" rtl="0" eaLnBrk="1" latinLnBrk="0" hangingPunct="1">
+      <a:defRPr sz="1200" kern="1200">
+        <a:solidFill>
+          <a:schemeClr val="tx1"/>
+        </a:solidFill>
+        <a:latin typeface="+mn-lt"/>
+        <a:ea typeface="+mn-ea"/>
+        <a:cs typeface="+mn-cs"/>
+      </a:defRPr>
+    </a:lvl6pPr>
+    <a:lvl7pPr marL="2743200" algn="l" defTabSz="914400" rtl="0" eaLnBrk="1" latinLnBrk="0" hangingPunct="1">
+      <a:defRPr sz="1200" kern="1200">
+        <a:solidFill>
+          <a:schemeClr val="tx1"/>
+        </a:solidFill>
+        <a:latin typeface="+mn-lt"/>
+        <a:ea typeface="+mn-ea"/>
+        <a:cs typeface="+mn-cs"/>
+      </a:defRPr>
+    </a:lvl7pPr>
+    <a:lvl8pPr marL="3200400" algn="l" defTabSz="914400" rtl="0" eaLnBrk="1" latinLnBrk="0" hangingPunct="1">
+      <a:defRPr sz="1200" kern="1200">
+        <a:solidFill>
+          <a:schemeClr val="tx1"/>
+        </a:solidFill>
+        <a:latin typeface="+mn-lt"/>
+        <a:ea typeface="+mn-ea"/>
+        <a:cs typeface="+mn-cs"/>
+      </a:defRPr>
+    </a:lvl8pPr>
+    <a:lvl9pPr marL="3657600" algn="l" defTabSz="914400" rtl="0" eaLnBrk="1" latinLnBrk="0" hangingPunct="1">
+      <a:defRPr sz="1200" kern="1200">
+        <a:solidFill>
+          <a:schemeClr val="tx1"/>
+        </a:solidFill>
+        <a:latin typeface="+mn-lt"/>
+        <a:ea typeface="+mn-ea"/>
+        <a:cs typeface="+mn-cs"/>
+      </a:defRPr>
+    </a:lvl9pPr>
+  </p:notesStyle>
+</p:notesMaster>
+</file>
+
+<file path=ppt/notesSlides/notesSlide1.xml><?xml version="1.0" encoding="utf-8"?>
+<p:notes xmlns:a="http://schemas.openxmlformats.org/drawingml/2006/main" xmlns:r="http://schemas.openxmlformats.org/officeDocument/2006/relationships" xmlns:p="http://schemas.openxmlformats.org/presentationml/2006/main">
+  <p:cSld>
+    <p:spTree>
+      <p:nvGrpSpPr>
+        <p:cNvPr id="1" name=""/>
+        <p:cNvGrpSpPr/>
+        <p:nvPr/>
+      </p:nvGrpSpPr>
+      <p:grpSpPr>
+        <a:xfrm>
+          <a:off x="0" y="0"/>
+          <a:ext cx="0" cy="0"/>
+          <a:chOff x="0" y="0"/>
+          <a:chExt cx="0" cy="0"/>
+        </a:xfrm>
+      </p:grpSpPr>
+      <p:sp>
+        <p:nvSpPr>
+          <p:cNvPr id="2" name="Marcador de imagen de diapositiva 1"/>
+          <p:cNvSpPr>
+            <a:spLocks noGrp="1" noRot="1" noChangeAspect="1"/>
+          </p:cNvSpPr>
+          <p:nvPr>
+            <p:ph type="sldImg"/>
+          </p:nvPr>
+        </p:nvSpPr>
+        <p:spPr/>
+      </p:sp>
+      <p:sp>
+        <p:nvSpPr>
+          <p:cNvPr id="3" name="Marcador de notas 2"/>
+          <p:cNvSpPr>
+            <a:spLocks noGrp="1"/>
+          </p:cNvSpPr>
+          <p:nvPr>
+            <p:ph type="body" idx="1"/>
+          </p:nvPr>
+        </p:nvSpPr>
+        <p:spPr/>
+        <p:txBody>
+          <a:bodyPr/>
+          <a:lstStyle/>
+          <a:p>
+            <a:endParaRPr lang="es-ES" dirty="0"/>
+          </a:p>
+        </p:txBody>
+      </p:sp>
+      <p:sp>
+        <p:nvSpPr>
+          <p:cNvPr id="4" name="Marcador de número de diapositiva 3"/>
+          <p:cNvSpPr>
+            <a:spLocks noGrp="1"/>
+          </p:cNvSpPr>
+          <p:nvPr>
+            <p:ph type="sldNum" sz="quarter" idx="5"/>
+          </p:nvPr>
+        </p:nvSpPr>
+        <p:spPr/>
+        <p:txBody>
+          <a:bodyPr/>
+          <a:lstStyle/>
+          <a:p>
+            <a:fld id="{3A503EF4-DB49-4BFA-BD32-21C93604296E}" type="slidenum">
+              <a:rPr lang="es-ES" smtClean="0"/>
+              <a:t>2</a:t>
+            </a:fld>
+            <a:endParaRPr lang="es-ES"/>
+          </a:p>
+        </p:txBody>
+      </p:sp>
+    </p:spTree>
+    <p:extLst>
+      <p:ext uri="{BB962C8B-B14F-4D97-AF65-F5344CB8AC3E}">
+        <p14:creationId xmlns:p14="http://schemas.microsoft.com/office/powerpoint/2010/main" val="1301539155"/>
+      </p:ext>
+    </p:extLst>
+  </p:cSld>
+  <p:clrMapOvr>
+    <a:masterClrMapping/>
+  </p:clrMapOvr>
+</p:notes>
 </file>
 
 <file path=ppt/slideLayouts/slideLayout1.xml><?xml version="1.0" encoding="utf-8"?>
@@ -235,7 +676,7 @@
             <a:fld id="{03B37EE7-D7D9-4BBC-A185-28ABDCB16FB7}" type="datetime1">
               <a:rPr lang="es-ES"/>
               <a:pPr lvl="0"/>
-              <a:t>23/02/2026</a:t>
+              <a:t>24/02/2026</a:t>
             </a:fld>
             <a:endParaRPr lang="es-ES"/>
           </a:p>
@@ -470,7 +911,7 @@
             <a:fld id="{61894232-25B4-4AB7-985C-076F90616A76}" type="datetime1">
               <a:rPr lang="es-ES"/>
               <a:pPr lvl="0"/>
-              <a:t>23/02/2026</a:t>
+              <a:t>24/02/2026</a:t>
             </a:fld>
             <a:endParaRPr lang="es-ES"/>
           </a:p>
@@ -714,7 +1155,7 @@
             <a:fld id="{CA4569F3-DD8C-45F1-9207-32A227A9D1FB}" type="datetime1">
               <a:rPr lang="es-ES"/>
               <a:pPr lvl="0"/>
-              <a:t>23/02/2026</a:t>
+              <a:t>24/02/2026</a:t>
             </a:fld>
             <a:endParaRPr lang="es-ES"/>
           </a:p>
@@ -948,7 +1389,7 @@
             <a:fld id="{E482B690-EDDF-45E0-AD3B-C35BDD598973}" type="datetime1">
               <a:rPr lang="es-ES"/>
               <a:pPr lvl="0"/>
-              <a:t>23/02/2026</a:t>
+              <a:t>24/02/2026</a:t>
             </a:fld>
             <a:endParaRPr lang="es-ES"/>
           </a:p>
@@ -1158,7 +1599,7 @@
             <a:fld id="{4FE9857C-D6C4-4124-BD39-854F75108B2E}" type="datetime1">
               <a:rPr lang="es-ES"/>
               <a:pPr lvl="0"/>
-              <a:t>23/02/2026</a:t>
+              <a:t>24/02/2026</a:t>
             </a:fld>
             <a:endParaRPr lang="es-ES"/>
           </a:p>
@@ -1475,7 +1916,7 @@
             <a:fld id="{19F0953F-1B69-41FE-8DFB-72718A93ABD4}" type="datetime1">
               <a:rPr lang="es-ES"/>
               <a:pPr lvl="0"/>
-              <a:t>23/02/2026</a:t>
+              <a:t>24/02/2026</a:t>
             </a:fld>
             <a:endParaRPr lang="es-ES"/>
           </a:p>
@@ -1875,7 +2316,7 @@
             <a:fld id="{3039DC94-23F9-4185-B98D-A02A4D7220B8}" type="datetime1">
               <a:rPr lang="es-ES"/>
               <a:pPr lvl="0"/>
-              <a:t>23/02/2026</a:t>
+              <a:t>24/02/2026</a:t>
             </a:fld>
             <a:endParaRPr lang="es-ES"/>
           </a:p>
@@ -2036,7 +2477,7 @@
             <a:fld id="{559B6DE3-130D-4D1E-B962-885AD36903B5}" type="datetime1">
               <a:rPr lang="es-ES"/>
               <a:pPr lvl="0"/>
-              <a:t>23/02/2026</a:t>
+              <a:t>24/02/2026</a:t>
             </a:fld>
             <a:endParaRPr lang="es-ES"/>
           </a:p>
@@ -2164,7 +2605,7 @@
             <a:fld id="{8EB2B0F0-AA3F-4EFE-905F-854A79A0B6B1}" type="datetime1">
               <a:rPr lang="es-ES"/>
               <a:pPr lvl="0"/>
-              <a:t>23/02/2026</a:t>
+              <a:t>24/02/2026</a:t>
             </a:fld>
             <a:endParaRPr lang="es-ES"/>
           </a:p>
@@ -2447,7 +2888,7 @@
             <a:fld id="{C43C3474-177C-42B5-BE18-9832A0C0AC05}" type="datetime1">
               <a:rPr lang="es-ES"/>
               <a:pPr lvl="0"/>
-              <a:t>23/02/2026</a:t>
+              <a:t>24/02/2026</a:t>
             </a:fld>
             <a:endParaRPr lang="es-ES"/>
           </a:p>
@@ -2688,7 +3129,7 @@
             <a:fld id="{E422923C-C239-4E4C-9E0F-21B6A03699E2}" type="datetime1">
               <a:rPr lang="es-ES"/>
               <a:pPr lvl="0"/>
-              <a:t>23/02/2026</a:t>
+              <a:t>24/02/2026</a:t>
             </a:fld>
             <a:endParaRPr lang="es-ES"/>
           </a:p>
@@ -2969,7 +3410,7 @@
             <a:fld id="{E2B9ABA2-079B-4F5B-8DC3-4D4A4C56B7B8}" type="datetime1">
               <a:rPr lang="es-ES"/>
               <a:pPr lvl="0"/>
-              <a:t>23/02/2026</a:t>
+              <a:t>24/02/2026</a:t>
             </a:fld>
             <a:endParaRPr lang="es-ES"/>
           </a:p>
@@ -3560,6 +4001,36 @@
           <a:chExt cx="0" cy="0"/>
         </a:xfrm>
       </p:grpSpPr>
+      <p:pic>
+        <p:nvPicPr>
+          <p:cNvPr id="9" name="Imagen 8" descr="Gráfico, Gráfico de barras&#10;&#10;El contenido generado por IA puede ser incorrecto.">
+            <a:extLst>
+              <a:ext uri="{FF2B5EF4-FFF2-40B4-BE49-F238E27FC236}">
+                <a16:creationId xmlns:a16="http://schemas.microsoft.com/office/drawing/2014/main" id="{D6F8C699-1477-E4AD-A2B7-110AEE99B123}"/>
+              </a:ext>
+            </a:extLst>
+          </p:cNvPr>
+          <p:cNvPicPr>
+            <a:picLocks noChangeAspect="1"/>
+          </p:cNvPicPr>
+          <p:nvPr/>
+        </p:nvPicPr>
+        <p:blipFill>
+          <a:blip r:embed="rId3"/>
+          <a:stretch>
+            <a:fillRect/>
+          </a:stretch>
+        </p:blipFill>
+        <p:spPr>
+          <a:xfrm>
+            <a:off x="3969559" y="-127323"/>
+            <a:ext cx="8222441" cy="4470722"/>
+          </a:xfrm>
+          <a:prstGeom prst="rect">
+            <a:avLst/>
+          </a:prstGeom>
+        </p:spPr>
+      </p:pic>
       <p:sp>
         <p:nvSpPr>
           <p:cNvPr id="2" name="Título 1">
@@ -3590,6 +4061,53 @@
           </a:p>
         </p:txBody>
       </p:sp>
+      <p:pic>
+        <p:nvPicPr>
+          <p:cNvPr id="1030" name="Picture 6" descr="Adiós al deseo de la longevidad: esta es la edad máxima que puede alcanzar  un ser humano; no podemos vivir más allá">
+            <a:extLst>
+              <a:ext uri="{FF2B5EF4-FFF2-40B4-BE49-F238E27FC236}">
+                <a16:creationId xmlns:a16="http://schemas.microsoft.com/office/drawing/2014/main" id="{DA10CD97-DD9B-2E12-D318-0D2441CBA61A}"/>
+              </a:ext>
+            </a:extLst>
+          </p:cNvPr>
+          <p:cNvPicPr>
+            <a:picLocks noChangeAspect="1" noChangeArrowheads="1"/>
+          </p:cNvPicPr>
+          <p:nvPr/>
+        </p:nvPicPr>
+        <p:blipFill>
+          <a:blip r:embed="rId4">
+            <a:extLst>
+              <a:ext uri="{28A0092B-C50C-407E-A947-70E740481C1C}">
+                <a14:useLocalDpi xmlns:a14="http://schemas.microsoft.com/office/drawing/2010/main" val="0"/>
+              </a:ext>
+            </a:extLst>
+          </a:blip>
+          <a:srcRect/>
+          <a:stretch>
+            <a:fillRect/>
+          </a:stretch>
+        </p:blipFill>
+        <p:spPr bwMode="auto">
+          <a:xfrm>
+            <a:off x="6362218" y="4308881"/>
+            <a:ext cx="4587433" cy="2502181"/>
+          </a:xfrm>
+          <a:prstGeom prst="rect">
+            <a:avLst/>
+          </a:prstGeom>
+          <a:noFill/>
+          <a:extLst>
+            <a:ext uri="{909E8E84-426E-40DD-AFC4-6F175D3DCCD1}">
+              <a14:hiddenFill xmlns:a14="http://schemas.microsoft.com/office/drawing/2010/main">
+                <a:solidFill>
+                  <a:srgbClr val="FFFFFF"/>
+                </a:solidFill>
+              </a14:hiddenFill>
+            </a:ext>
+          </a:extLst>
+        </p:spPr>
+      </p:pic>
       <p:sp>
         <p:nvSpPr>
           <p:cNvPr id="4" name="CuadroTexto 3">
@@ -3639,7 +4157,7 @@
         </p:nvSpPr>
         <p:spPr>
           <a:xfrm>
-            <a:off x="4410456" y="4608421"/>
+            <a:off x="838203" y="3848155"/>
             <a:ext cx="3371087" cy="646331"/>
           </a:xfrm>
           <a:prstGeom prst="rect">
@@ -3674,7 +4192,7 @@
         </p:nvSpPr>
         <p:spPr>
           <a:xfrm>
-            <a:off x="8436864" y="2782668"/>
+            <a:off x="838202" y="4913641"/>
             <a:ext cx="3002283" cy="646331"/>
           </a:xfrm>
           <a:prstGeom prst="rect">
@@ -3763,7 +4281,7 @@
         </p:nvSpPr>
         <p:spPr>
           <a:xfrm>
-            <a:off x="1008890" y="1891370"/>
+            <a:off x="1008890" y="1985817"/>
             <a:ext cx="3002283" cy="646331"/>
           </a:xfrm>
           <a:prstGeom prst="rect">
@@ -3798,7 +4316,7 @@
         </p:nvSpPr>
         <p:spPr>
           <a:xfrm>
-            <a:off x="1008891" y="3585396"/>
+            <a:off x="1008890" y="4771823"/>
             <a:ext cx="3526533" cy="646331"/>
           </a:xfrm>
           <a:prstGeom prst="rect">
@@ -3833,7 +4351,7 @@
         </p:nvSpPr>
         <p:spPr>
           <a:xfrm>
-            <a:off x="1008891" y="2738383"/>
+            <a:off x="7935311" y="1985818"/>
             <a:ext cx="3002283" cy="646331"/>
           </a:xfrm>
           <a:prstGeom prst="rect">
@@ -3868,8 +4386,8 @@
         </p:nvSpPr>
         <p:spPr>
           <a:xfrm>
-            <a:off x="1008891" y="4432409"/>
-            <a:ext cx="3002283" cy="646331"/>
+            <a:off x="8767727" y="4771824"/>
+            <a:ext cx="2169867" cy="646331"/>
           </a:xfrm>
           <a:prstGeom prst="rect">
             <a:avLst/>
@@ -3957,7 +4475,7 @@
         </p:nvSpPr>
         <p:spPr>
           <a:xfrm>
-            <a:off x="2200659" y="3105834"/>
+            <a:off x="0" y="5841819"/>
             <a:ext cx="3459477" cy="646331"/>
           </a:xfrm>
           <a:prstGeom prst="rect">
@@ -3992,7 +4510,7 @@
         </p:nvSpPr>
         <p:spPr>
           <a:xfrm>
-            <a:off x="5660135" y="2459503"/>
+            <a:off x="8588532" y="5846540"/>
             <a:ext cx="3459477" cy="646331"/>
           </a:xfrm>
           <a:prstGeom prst="rect">
@@ -4027,7 +4545,7 @@
         </p:nvSpPr>
         <p:spPr>
           <a:xfrm>
-            <a:off x="6307071" y="3874649"/>
+            <a:off x="5013198" y="5841819"/>
             <a:ext cx="2165603" cy="646331"/>
           </a:xfrm>
           <a:prstGeom prst="rect">
@@ -4048,6 +4566,58 @@
           </a:p>
         </p:txBody>
       </p:sp>
+      <p:pic>
+        <p:nvPicPr>
+          <p:cNvPr id="3" name="Picture 4" descr="La lista de los pueblos más ricos y pobres de España">
+            <a:extLst>
+              <a:ext uri="{FF2B5EF4-FFF2-40B4-BE49-F238E27FC236}">
+                <a16:creationId xmlns:a16="http://schemas.microsoft.com/office/drawing/2014/main" id="{21A1D6EE-0421-D108-6B52-8BF2C09BB3F7}"/>
+              </a:ext>
+            </a:extLst>
+          </p:cNvPr>
+          <p:cNvPicPr>
+            <a:picLocks noChangeAspect="1" noChangeArrowheads="1"/>
+          </p:cNvPicPr>
+          <p:nvPr/>
+        </p:nvPicPr>
+        <p:blipFill>
+          <a:blip r:embed="rId2">
+            <a:extLst>
+              <a:ext uri="{28A0092B-C50C-407E-A947-70E740481C1C}">
+                <a14:useLocalDpi xmlns:a14="http://schemas.microsoft.com/office/drawing/2010/main" val="0"/>
+              </a:ext>
+            </a:extLst>
+          </a:blip>
+          <a:srcRect/>
+          <a:stretch>
+            <a:fillRect/>
+          </a:stretch>
+        </p:blipFill>
+        <p:spPr bwMode="auto">
+          <a:xfrm>
+            <a:off x="2273708" y="1417016"/>
+            <a:ext cx="7644584" cy="4309860"/>
+          </a:xfrm>
+          <a:prstGeom prst="rect">
+            <a:avLst/>
+          </a:prstGeom>
+          <a:ln>
+            <a:noFill/>
+          </a:ln>
+          <a:effectLst>
+            <a:softEdge rad="112500"/>
+          </a:effectLst>
+          <a:extLst>
+            <a:ext uri="{909E8E84-426E-40DD-AFC4-6F175D3DCCD1}">
+              <a14:hiddenFill xmlns:a14="http://schemas.microsoft.com/office/drawing/2010/main">
+                <a:solidFill>
+                  <a:srgbClr val="FFFFFF"/>
+                </a:solidFill>
+              </a14:hiddenFill>
+            </a:ext>
+          </a:extLst>
+        </p:spPr>
+      </p:pic>
     </p:spTree>
   </p:cSld>
   <p:clrMapOvr>
@@ -4172,6 +4742,58 @@
           </a:p>
         </p:txBody>
       </p:sp>
+      <p:pic>
+        <p:nvPicPr>
+          <p:cNvPr id="3074" name="Picture 2" descr="Subvenciones y ayudas públicas. La importancia de leer la letra pequeña. |  Campón &amp; Martinez-Pereda. Abogados en Cáceres y Badajoz">
+            <a:extLst>
+              <a:ext uri="{FF2B5EF4-FFF2-40B4-BE49-F238E27FC236}">
+                <a16:creationId xmlns:a16="http://schemas.microsoft.com/office/drawing/2014/main" id="{21B12EF3-F565-13E2-4350-690CF9E3B742}"/>
+              </a:ext>
+            </a:extLst>
+          </p:cNvPr>
+          <p:cNvPicPr>
+            <a:picLocks noChangeAspect="1" noChangeArrowheads="1"/>
+          </p:cNvPicPr>
+          <p:nvPr/>
+        </p:nvPicPr>
+        <p:blipFill>
+          <a:blip r:embed="rId2">
+            <a:extLst>
+              <a:ext uri="{28A0092B-C50C-407E-A947-70E740481C1C}">
+                <a14:useLocalDpi xmlns:a14="http://schemas.microsoft.com/office/drawing/2010/main" val="0"/>
+              </a:ext>
+            </a:extLst>
+          </a:blip>
+          <a:srcRect/>
+          <a:stretch>
+            <a:fillRect/>
+          </a:stretch>
+        </p:blipFill>
+        <p:spPr bwMode="auto">
+          <a:xfrm>
+            <a:off x="221995" y="1915707"/>
+            <a:ext cx="4562602" cy="4812119"/>
+          </a:xfrm>
+          <a:prstGeom prst="rect">
+            <a:avLst/>
+          </a:prstGeom>
+          <a:ln>
+            <a:noFill/>
+          </a:ln>
+          <a:effectLst>
+            <a:softEdge rad="112500"/>
+          </a:effectLst>
+          <a:extLst>
+            <a:ext uri="{909E8E84-426E-40DD-AFC4-6F175D3DCCD1}">
+              <a14:hiddenFill xmlns:a14="http://schemas.microsoft.com/office/drawing/2010/main">
+                <a:solidFill>
+                  <a:srgbClr val="FFFFFF"/>
+                </a:solidFill>
+              </a14:hiddenFill>
+            </a:ext>
+          </a:extLst>
+        </p:spPr>
+      </p:pic>
       <p:sp>
         <p:nvSpPr>
           <p:cNvPr id="6" name="CuadroTexto 5">
@@ -4600,4 +5222,319 @@
     </a:ext>
   </a:extLst>
 </a:theme>
+</file>
+
+<file path=ppt/theme/theme2.xml><?xml version="1.0" encoding="utf-8"?>
+<a:theme xmlns:a="http://schemas.openxmlformats.org/drawingml/2006/main" name="Tema de Office">
+  <a:themeElements>
+    <a:clrScheme name="Office">
+      <a:dk1>
+        <a:sysClr val="windowText" lastClr="000000"/>
+      </a:dk1>
+      <a:lt1>
+        <a:sysClr val="window" lastClr="FFFFFF"/>
+      </a:lt1>
+      <a:dk2>
+        <a:srgbClr val="0E2841"/>
+      </a:dk2>
+      <a:lt2>
+        <a:srgbClr val="E8E8E8"/>
+      </a:lt2>
+      <a:accent1>
+        <a:srgbClr val="156082"/>
+      </a:accent1>
+      <a:accent2>
+        <a:srgbClr val="E97132"/>
+      </a:accent2>
+      <a:accent3>
+        <a:srgbClr val="196B24"/>
+      </a:accent3>
+      <a:accent4>
+        <a:srgbClr val="0F9ED5"/>
+      </a:accent4>
+      <a:accent5>
+        <a:srgbClr val="A02B93"/>
+      </a:accent5>
+      <a:accent6>
+        <a:srgbClr val="4EA72E"/>
+      </a:accent6>
+      <a:hlink>
+        <a:srgbClr val="467886"/>
+      </a:hlink>
+      <a:folHlink>
+        <a:srgbClr val="96607D"/>
+      </a:folHlink>
+    </a:clrScheme>
+    <a:fontScheme name="Office">
+      <a:majorFont>
+        <a:latin typeface="Aptos Display" panose="02110004020202020204"/>
+        <a:ea typeface=""/>
+        <a:cs typeface=""/>
+        <a:font script="Jpan" typeface="游ゴシック Light"/>
+        <a:font script="Hang" typeface="맑은 고딕"/>
+        <a:font script="Hans" typeface="等线 Light"/>
+        <a:font script="Hant" typeface="新細明體"/>
+        <a:font script="Arab" typeface="Times New Roman"/>
+        <a:font script="Hebr" typeface="Times New Roman"/>
+        <a:font script="Thai" typeface="Angsana New"/>
+        <a:font script="Ethi" typeface="Nyala"/>
+        <a:font script="Beng" typeface="Vrinda"/>
+        <a:font script="Gujr" typeface="Shruti"/>
+        <a:font script="Khmr" typeface="MoolBoran"/>
+        <a:font script="Knda" typeface="Tunga"/>
+        <a:font script="Guru" typeface="Raavi"/>
+        <a:font script="Cans" typeface="Euphemia"/>
+        <a:font script="Cher" typeface="Plantagenet Cherokee"/>
+        <a:font script="Yiii" typeface="Microsoft Yi Baiti"/>
+        <a:font script="Tibt" typeface="Microsoft Himalaya"/>
+        <a:font script="Thaa" typeface="MV Boli"/>
+        <a:font script="Deva" typeface="Mangal"/>
+        <a:font script="Telu" typeface="Gautami"/>
+        <a:font script="Taml" typeface="Latha"/>
+        <a:font script="Syrc" typeface="Estrangelo Edessa"/>
+        <a:font script="Orya" typeface="Kalinga"/>
+        <a:font script="Mlym" typeface="Kartika"/>
+        <a:font script="Laoo" typeface="DokChampa"/>
+        <a:font script="Sinh" typeface="Iskoola Pota"/>
+        <a:font script="Mong" typeface="Mongolian Baiti"/>
+        <a:font script="Viet" typeface="Times New Roman"/>
+        <a:font script="Uigh" typeface="Microsoft Uighur"/>
+        <a:font script="Geor" typeface="Sylfaen"/>
+        <a:font script="Armn" typeface="Arial"/>
+        <a:font script="Bugi" typeface="Leelawadee UI"/>
+        <a:font script="Bopo" typeface="Microsoft JhengHei"/>
+        <a:font script="Java" typeface="Javanese Text"/>
+        <a:font script="Lisu" typeface="Segoe UI"/>
+        <a:font script="Mymr" typeface="Myanmar Text"/>
+        <a:font script="Nkoo" typeface="Ebrima"/>
+        <a:font script="Olck" typeface="Nirmala UI"/>
+        <a:font script="Osma" typeface="Ebrima"/>
+        <a:font script="Phag" typeface="Phagspa"/>
+        <a:font script="Syrn" typeface="Estrangelo Edessa"/>
+        <a:font script="Syrj" typeface="Estrangelo Edessa"/>
+        <a:font script="Syre" typeface="Estrangelo Edessa"/>
+        <a:font script="Sora" typeface="Nirmala UI"/>
+        <a:font script="Tale" typeface="Microsoft Tai Le"/>
+        <a:font script="Talu" typeface="Microsoft New Tai Lue"/>
+        <a:font script="Tfng" typeface="Ebrima"/>
+      </a:majorFont>
+      <a:minorFont>
+        <a:latin typeface="Aptos" panose="02110004020202020204"/>
+        <a:ea typeface=""/>
+        <a:cs typeface=""/>
+        <a:font script="Jpan" typeface="游ゴシック"/>
+        <a:font script="Hang" typeface="맑은 고딕"/>
+        <a:font script="Hans" typeface="等线"/>
+        <a:font script="Hant" typeface="新細明體"/>
+        <a:font script="Arab" typeface="Arial"/>
+        <a:font script="Hebr" typeface="Arial"/>
+        <a:font script="Thai" typeface="Cordia New"/>
+        <a:font script="Ethi" typeface="Nyala"/>
+        <a:font script="Beng" typeface="Vrinda"/>
+        <a:font script="Gujr" typeface="Shruti"/>
+        <a:font script="Khmr" typeface="DaunPenh"/>
+        <a:font script="Knda" typeface="Tunga"/>
+        <a:font script="Guru" typeface="Raavi"/>
+        <a:font script="Cans" typeface="Euphemia"/>
+        <a:font script="Cher" typeface="Plantagenet Cherokee"/>
+        <a:font script="Yiii" typeface="Microsoft Yi Baiti"/>
+        <a:font script="Tibt" typeface="Microsoft Himalaya"/>
+        <a:font script="Thaa" typeface="MV Boli"/>
+        <a:font script="Deva" typeface="Mangal"/>
+        <a:font script="Telu" typeface="Gautami"/>
+        <a:font script="Taml" typeface="Latha"/>
+        <a:font script="Syrc" typeface="Estrangelo Edessa"/>
+        <a:font script="Orya" typeface="Kalinga"/>
+        <a:font script="Mlym" typeface="Kartika"/>
+        <a:font script="Laoo" typeface="DokChampa"/>
+        <a:font script="Sinh" typeface="Iskoola Pota"/>
+        <a:font script="Mong" typeface="Mongolian Baiti"/>
+        <a:font script="Viet" typeface="Arial"/>
+        <a:font script="Uigh" typeface="Microsoft Uighur"/>
+        <a:font script="Geor" typeface="Sylfaen"/>
+        <a:font script="Armn" typeface="Arial"/>
+        <a:font script="Bugi" typeface="Leelawadee UI"/>
+        <a:font script="Bopo" typeface="Microsoft JhengHei"/>
+        <a:font script="Java" typeface="Javanese Text"/>
+        <a:font script="Lisu" typeface="Segoe UI"/>
+        <a:font script="Mymr" typeface="Myanmar Text"/>
+        <a:font script="Nkoo" typeface="Ebrima"/>
+        <a:font script="Olck" typeface="Nirmala UI"/>
+        <a:font script="Osma" typeface="Ebrima"/>
+        <a:font script="Phag" typeface="Phagspa"/>
+        <a:font script="Syrn" typeface="Estrangelo Edessa"/>
+        <a:font script="Syrj" typeface="Estrangelo Edessa"/>
+        <a:font script="Syre" typeface="Estrangelo Edessa"/>
+        <a:font script="Sora" typeface="Nirmala UI"/>
+        <a:font script="Tale" typeface="Microsoft Tai Le"/>
+        <a:font script="Talu" typeface="Microsoft New Tai Lue"/>
+        <a:font script="Tfng" typeface="Ebrima"/>
+      </a:minorFont>
+    </a:fontScheme>
+    <a:fmtScheme name="Office">
+      <a:fillStyleLst>
+        <a:solidFill>
+          <a:schemeClr val="phClr"/>
+        </a:solidFill>
+        <a:gradFill rotWithShape="1">
+          <a:gsLst>
+            <a:gs pos="0">
+              <a:schemeClr val="phClr">
+                <a:lumMod val="110000"/>
+                <a:satMod val="105000"/>
+                <a:tint val="67000"/>
+              </a:schemeClr>
+            </a:gs>
+            <a:gs pos="50000">
+              <a:schemeClr val="phClr">
+                <a:lumMod val="105000"/>
+                <a:satMod val="103000"/>
+                <a:tint val="73000"/>
+              </a:schemeClr>
+            </a:gs>
+            <a:gs pos="100000">
+              <a:schemeClr val="phClr">
+                <a:lumMod val="105000"/>
+                <a:satMod val="109000"/>
+                <a:tint val="81000"/>
+              </a:schemeClr>
+            </a:gs>
+          </a:gsLst>
+          <a:lin ang="5400000" scaled="0"/>
+        </a:gradFill>
+        <a:gradFill rotWithShape="1">
+          <a:gsLst>
+            <a:gs pos="0">
+              <a:schemeClr val="phClr">
+                <a:satMod val="103000"/>
+                <a:lumMod val="102000"/>
+                <a:tint val="94000"/>
+              </a:schemeClr>
+            </a:gs>
+            <a:gs pos="50000">
+              <a:schemeClr val="phClr">
+                <a:satMod val="110000"/>
+                <a:lumMod val="100000"/>
+                <a:shade val="100000"/>
+              </a:schemeClr>
+            </a:gs>
+            <a:gs pos="100000">
+              <a:schemeClr val="phClr">
+                <a:lumMod val="99000"/>
+                <a:satMod val="120000"/>
+                <a:shade val="78000"/>
+              </a:schemeClr>
+            </a:gs>
+          </a:gsLst>
+          <a:lin ang="5400000" scaled="0"/>
+        </a:gradFill>
+      </a:fillStyleLst>
+      <a:lnStyleLst>
+        <a:ln w="12700" cap="flat" cmpd="sng" algn="ctr">
+          <a:solidFill>
+            <a:schemeClr val="phClr"/>
+          </a:solidFill>
+          <a:prstDash val="solid"/>
+          <a:miter lim="800000"/>
+        </a:ln>
+        <a:ln w="19050" cap="flat" cmpd="sng" algn="ctr">
+          <a:solidFill>
+            <a:schemeClr val="phClr"/>
+          </a:solidFill>
+          <a:prstDash val="solid"/>
+          <a:miter lim="800000"/>
+        </a:ln>
+        <a:ln w="25400" cap="flat" cmpd="sng" algn="ctr">
+          <a:solidFill>
+            <a:schemeClr val="phClr"/>
+          </a:solidFill>
+          <a:prstDash val="solid"/>
+          <a:miter lim="800000"/>
+        </a:ln>
+      </a:lnStyleLst>
+      <a:effectStyleLst>
+        <a:effectStyle>
+          <a:effectLst/>
+        </a:effectStyle>
+        <a:effectStyle>
+          <a:effectLst/>
+        </a:effectStyle>
+        <a:effectStyle>
+          <a:effectLst>
+            <a:outerShdw blurRad="57150" dist="19050" dir="5400000" algn="ctr" rotWithShape="0">
+              <a:srgbClr val="000000">
+                <a:alpha val="63000"/>
+              </a:srgbClr>
+            </a:outerShdw>
+          </a:effectLst>
+        </a:effectStyle>
+      </a:effectStyleLst>
+      <a:bgFillStyleLst>
+        <a:solidFill>
+          <a:schemeClr val="phClr"/>
+        </a:solidFill>
+        <a:solidFill>
+          <a:schemeClr val="phClr">
+            <a:tint val="95000"/>
+            <a:satMod val="170000"/>
+          </a:schemeClr>
+        </a:solidFill>
+        <a:gradFill rotWithShape="1">
+          <a:gsLst>
+            <a:gs pos="0">
+              <a:schemeClr val="phClr">
+                <a:tint val="93000"/>
+                <a:satMod val="150000"/>
+                <a:shade val="98000"/>
+                <a:lumMod val="102000"/>
+              </a:schemeClr>
+            </a:gs>
+            <a:gs pos="50000">
+              <a:schemeClr val="phClr">
+                <a:tint val="98000"/>
+                <a:satMod val="130000"/>
+                <a:shade val="90000"/>
+                <a:lumMod val="103000"/>
+              </a:schemeClr>
+            </a:gs>
+            <a:gs pos="100000">
+              <a:schemeClr val="phClr">
+                <a:shade val="63000"/>
+                <a:satMod val="120000"/>
+              </a:schemeClr>
+            </a:gs>
+          </a:gsLst>
+          <a:lin ang="5400000" scaled="0"/>
+        </a:gradFill>
+      </a:bgFillStyleLst>
+    </a:fmtScheme>
+  </a:themeElements>
+  <a:objectDefaults>
+    <a:lnDef>
+      <a:spPr/>
+      <a:bodyPr/>
+      <a:lstStyle/>
+      <a:style>
+        <a:lnRef idx="2">
+          <a:schemeClr val="accent1"/>
+        </a:lnRef>
+        <a:fillRef idx="0">
+          <a:schemeClr val="accent1"/>
+        </a:fillRef>
+        <a:effectRef idx="1">
+          <a:schemeClr val="accent1"/>
+        </a:effectRef>
+        <a:fontRef idx="minor">
+          <a:schemeClr val="tx1"/>
+        </a:fontRef>
+      </a:style>
+    </a:lnDef>
+  </a:objectDefaults>
+  <a:extraClrSchemeLst/>
+  <a:extLst>
+    <a:ext uri="{05A4C25C-085E-4340-85A3-A5531E510DB2}">
+      <thm15:themeFamily xmlns:thm15="http://schemas.microsoft.com/office/thememl/2012/main" name="Office Theme" id="{2E142A2C-CD16-42D6-873A-C26D2A0506FA}" vid="{1BDDFF52-6CD6-40A5-AB3C-68EB2F1E4D0A}"/>
+    </a:ext>
+  </a:extLst>
+</a:theme>
 </file>